--- a/day_01_jan_23/NodeJS_Demo.pptx
+++ b/day_01_jan_23/NodeJS_Demo.pptx
@@ -918,7 +918,7 @@
           <a:p>
             <a:fld id="{10F8D96C-0375-4F2D-A642-71C956AF3FBD}" type="datetimeFigureOut">
               <a:rPr lang="en-IN" smtClean="0"/>
-              <a:t>28-10-2024</a:t>
+              <a:t>24-01-2025</a:t>
             </a:fld>
             <a:endParaRPr lang="en-IN"/>
           </a:p>
@@ -2006,7 +2006,7 @@
           <a:p>
             <a:fld id="{10F8D96C-0375-4F2D-A642-71C956AF3FBD}" type="datetimeFigureOut">
               <a:rPr lang="en-IN" smtClean="0"/>
-              <a:t>28-10-2024</a:t>
+              <a:t>24-01-2025</a:t>
             </a:fld>
             <a:endParaRPr lang="en-IN"/>
           </a:p>
@@ -2986,7 +2986,7 @@
           <a:p>
             <a:fld id="{10F8D96C-0375-4F2D-A642-71C956AF3FBD}" type="datetimeFigureOut">
               <a:rPr lang="en-IN" smtClean="0"/>
-              <a:t>28-10-2024</a:t>
+              <a:t>24-01-2025</a:t>
             </a:fld>
             <a:endParaRPr lang="en-IN"/>
           </a:p>
@@ -4120,7 +4120,7 @@
           <a:p>
             <a:fld id="{10F8D96C-0375-4F2D-A642-71C956AF3FBD}" type="datetimeFigureOut">
               <a:rPr lang="en-IN" smtClean="0"/>
-              <a:t>28-10-2024</a:t>
+              <a:t>24-01-2025</a:t>
             </a:fld>
             <a:endParaRPr lang="en-IN"/>
           </a:p>
@@ -5153,7 +5153,7 @@
           <a:p>
             <a:fld id="{10F8D96C-0375-4F2D-A642-71C956AF3FBD}" type="datetimeFigureOut">
               <a:rPr lang="en-IN" smtClean="0"/>
-              <a:t>28-10-2024</a:t>
+              <a:t>24-01-2025</a:t>
             </a:fld>
             <a:endParaRPr lang="en-IN"/>
           </a:p>
@@ -5813,7 +5813,7 @@
           <a:p>
             <a:fld id="{10F8D96C-0375-4F2D-A642-71C956AF3FBD}" type="datetimeFigureOut">
               <a:rPr lang="en-IN" smtClean="0"/>
-              <a:t>28-10-2024</a:t>
+              <a:t>24-01-2025</a:t>
             </a:fld>
             <a:endParaRPr lang="en-IN"/>
           </a:p>
@@ -6674,7 +6674,7 @@
           <a:p>
             <a:fld id="{10F8D96C-0375-4F2D-A642-71C956AF3FBD}" type="datetimeFigureOut">
               <a:rPr lang="en-IN" smtClean="0"/>
-              <a:t>28-10-2024</a:t>
+              <a:t>24-01-2025</a:t>
             </a:fld>
             <a:endParaRPr lang="en-IN"/>
           </a:p>
@@ -6864,7 +6864,7 @@
           <a:p>
             <a:fld id="{10F8D96C-0375-4F2D-A642-71C956AF3FBD}" type="datetimeFigureOut">
               <a:rPr lang="en-IN" smtClean="0"/>
-              <a:t>28-10-2024</a:t>
+              <a:t>24-01-2025</a:t>
             </a:fld>
             <a:endParaRPr lang="en-IN"/>
           </a:p>
@@ -7836,7 +7836,7 @@
           <a:p>
             <a:fld id="{10F8D96C-0375-4F2D-A642-71C956AF3FBD}" type="datetimeFigureOut">
               <a:rPr lang="en-IN" smtClean="0"/>
-              <a:t>28-10-2024</a:t>
+              <a:t>24-01-2025</a:t>
             </a:fld>
             <a:endParaRPr lang="en-IN"/>
           </a:p>
@@ -8047,7 +8047,7 @@
           <a:p>
             <a:fld id="{10F8D96C-0375-4F2D-A642-71C956AF3FBD}" type="datetimeFigureOut">
               <a:rPr lang="en-IN" smtClean="0"/>
-              <a:t>28-10-2024</a:t>
+              <a:t>24-01-2025</a:t>
             </a:fld>
             <a:endParaRPr lang="en-IN"/>
           </a:p>
@@ -9081,7 +9081,7 @@
           <a:p>
             <a:fld id="{10F8D96C-0375-4F2D-A642-71C956AF3FBD}" type="datetimeFigureOut">
               <a:rPr lang="en-IN" smtClean="0"/>
-              <a:t>28-10-2024</a:t>
+              <a:t>24-01-2025</a:t>
             </a:fld>
             <a:endParaRPr lang="en-IN"/>
           </a:p>
@@ -9353,7 +9353,7 @@
           <a:p>
             <a:fld id="{10F8D96C-0375-4F2D-A642-71C956AF3FBD}" type="datetimeFigureOut">
               <a:rPr lang="en-IN" smtClean="0"/>
-              <a:t>28-10-2024</a:t>
+              <a:t>24-01-2025</a:t>
             </a:fld>
             <a:endParaRPr lang="en-IN"/>
           </a:p>
@@ -9763,7 +9763,7 @@
           <a:p>
             <a:fld id="{10F8D96C-0375-4F2D-A642-71C956AF3FBD}" type="datetimeFigureOut">
               <a:rPr lang="en-IN" smtClean="0"/>
-              <a:t>28-10-2024</a:t>
+              <a:t>24-01-2025</a:t>
             </a:fld>
             <a:endParaRPr lang="en-IN"/>
           </a:p>
@@ -9890,7 +9890,7 @@
           <a:p>
             <a:fld id="{10F8D96C-0375-4F2D-A642-71C956AF3FBD}" type="datetimeFigureOut">
               <a:rPr lang="en-IN" smtClean="0"/>
-              <a:t>28-10-2024</a:t>
+              <a:t>24-01-2025</a:t>
             </a:fld>
             <a:endParaRPr lang="en-IN"/>
           </a:p>
@@ -9985,7 +9985,7 @@
           <a:p>
             <a:fld id="{10F8D96C-0375-4F2D-A642-71C956AF3FBD}" type="datetimeFigureOut">
               <a:rPr lang="en-IN" smtClean="0"/>
-              <a:t>28-10-2024</a:t>
+              <a:t>24-01-2025</a:t>
             </a:fld>
             <a:endParaRPr lang="en-IN"/>
           </a:p>
@@ -11066,7 +11066,7 @@
           <a:p>
             <a:fld id="{10F8D96C-0375-4F2D-A642-71C956AF3FBD}" type="datetimeFigureOut">
               <a:rPr lang="en-IN" smtClean="0"/>
-              <a:t>28-10-2024</a:t>
+              <a:t>24-01-2025</a:t>
             </a:fld>
             <a:endParaRPr lang="en-IN"/>
           </a:p>
@@ -12174,7 +12174,7 @@
           <a:p>
             <a:fld id="{10F8D96C-0375-4F2D-A642-71C956AF3FBD}" type="datetimeFigureOut">
               <a:rPr lang="en-IN" smtClean="0"/>
-              <a:t>28-10-2024</a:t>
+              <a:t>24-01-2025</a:t>
             </a:fld>
             <a:endParaRPr lang="en-IN"/>
           </a:p>
@@ -13171,7 +13171,7 @@
           <a:p>
             <a:fld id="{10F8D96C-0375-4F2D-A642-71C956AF3FBD}" type="datetimeFigureOut">
               <a:rPr lang="en-IN" smtClean="0"/>
-              <a:t>28-10-2024</a:t>
+              <a:t>24-01-2025</a:t>
             </a:fld>
             <a:endParaRPr lang="en-IN"/>
           </a:p>
@@ -14584,7 +14584,7 @@
         </p:spPr>
         <p:txBody>
           <a:bodyPr numCol="2">
-            <a:normAutofit fontScale="77500" lnSpcReduction="20000"/>
+            <a:normAutofit fontScale="70000" lnSpcReduction="20000"/>
           </a:bodyPr>
           <a:lstStyle/>
           <a:p>
@@ -14913,12 +14913,44 @@
               </a:rPr>
               <a:t>graphQL</a:t>
             </a:r>
-            <a:endParaRPr lang="en-IN" sz="1800" kern="100" dirty="0">
-              <a:effectLst/>
+            <a:endParaRPr lang="en-IN" kern="100" dirty="0">
               <a:latin typeface="Calibri" panose="020F0502020204030204" pitchFamily="34" charset="0"/>
               <a:ea typeface="Times New Roman" panose="02020603050405020304" pitchFamily="18" charset="0"/>
               <a:cs typeface="Times New Roman" panose="02020603050405020304" pitchFamily="18" charset="0"/>
             </a:endParaRPr>
+          </a:p>
+          <a:p>
+            <a:r>
+              <a:rPr lang="en-IN" sz="1800" kern="100" dirty="0">
+                <a:effectLst/>
+                <a:latin typeface="Calibri" panose="020F0502020204030204" pitchFamily="34" charset="0"/>
+                <a:ea typeface="Times New Roman" panose="02020603050405020304" pitchFamily="18" charset="0"/>
+                <a:cs typeface="Times New Roman" panose="02020603050405020304" pitchFamily="18" charset="0"/>
+              </a:rPr>
+              <a:t>CRON JOB</a:t>
+            </a:r>
+          </a:p>
+          <a:p>
+            <a:r>
+              <a:rPr lang="en-IN" sz="1800" kern="100" dirty="0">
+                <a:effectLst/>
+                <a:latin typeface="Calibri" panose="020F0502020204030204" pitchFamily="34" charset="0"/>
+                <a:ea typeface="Times New Roman" panose="02020603050405020304" pitchFamily="18" charset="0"/>
+                <a:cs typeface="Times New Roman" panose="02020603050405020304" pitchFamily="18" charset="0"/>
+              </a:rPr>
+              <a:t>Send Email </a:t>
+            </a:r>
+          </a:p>
+          <a:p>
+            <a:r>
+              <a:rPr lang="en-IN" sz="1800" kern="100" dirty="0">
+                <a:effectLst/>
+                <a:latin typeface="Calibri" panose="020F0502020204030204" pitchFamily="34" charset="0"/>
+                <a:ea typeface="Times New Roman" panose="02020603050405020304" pitchFamily="18" charset="0"/>
+                <a:cs typeface="Times New Roman" panose="02020603050405020304" pitchFamily="18" charset="0"/>
+              </a:rPr>
+              <a:t>Socket.io</a:t>
+            </a:r>
           </a:p>
           <a:p>
             <a:endParaRPr lang="en-IN" sz="1800" kern="100" dirty="0">
